--- a/מצגת סנייק.pptx
+++ b/מצגת סנייק.pptx
@@ -633,7 +633,7 @@
             <a:fld id="{B61BEF0D-F0BB-DE4B-95CE-6DB70DBA9567}" type="datetimeFigureOut">
               <a:rPr lang="en-US" dirty="0"/>
               <a:pPr/>
-              <a:t>5/8/2018</a:t>
+              <a:t>6/2/2018</a:t>
             </a:fld>
             <a:endParaRPr lang="en-US" dirty="0"/>
           </a:p>
@@ -926,7 +926,7 @@
             <a:fld id="{B61BEF0D-F0BB-DE4B-95CE-6DB70DBA9567}" type="datetimeFigureOut">
               <a:rPr lang="en-US" dirty="0"/>
               <a:pPr/>
-              <a:t>5/8/2018</a:t>
+              <a:t>6/2/2018</a:t>
             </a:fld>
             <a:endParaRPr lang="en-US" dirty="0"/>
           </a:p>
@@ -1171,7 +1171,7 @@
             <a:fld id="{B61BEF0D-F0BB-DE4B-95CE-6DB70DBA9567}" type="datetimeFigureOut">
               <a:rPr lang="en-US" dirty="0"/>
               <a:pPr/>
-              <a:t>5/8/2018</a:t>
+              <a:t>6/2/2018</a:t>
             </a:fld>
             <a:endParaRPr lang="en-US" dirty="0"/>
           </a:p>
@@ -1708,7 +1708,7 @@
             <a:fld id="{B61BEF0D-F0BB-DE4B-95CE-6DB70DBA9567}" type="datetimeFigureOut">
               <a:rPr lang="en-US" dirty="0"/>
               <a:pPr/>
-              <a:t>5/8/2018</a:t>
+              <a:t>6/2/2018</a:t>
             </a:fld>
             <a:endParaRPr lang="en-US" dirty="0"/>
           </a:p>
@@ -1953,7 +1953,7 @@
             <a:fld id="{B61BEF0D-F0BB-DE4B-95CE-6DB70DBA9567}" type="datetimeFigureOut">
               <a:rPr lang="en-US" dirty="0"/>
               <a:pPr/>
-              <a:t>5/8/2018</a:t>
+              <a:t>6/2/2018</a:t>
             </a:fld>
             <a:endParaRPr lang="en-US" dirty="0"/>
           </a:p>
@@ -2482,7 +2482,7 @@
             <a:fld id="{B61BEF0D-F0BB-DE4B-95CE-6DB70DBA9567}" type="datetimeFigureOut">
               <a:rPr lang="en-US" dirty="0"/>
               <a:pPr/>
-              <a:t>5/8/2018</a:t>
+              <a:t>6/2/2018</a:t>
             </a:fld>
             <a:endParaRPr lang="en-US" dirty="0"/>
           </a:p>
@@ -2776,7 +2776,7 @@
             <a:fld id="{B61BEF0D-F0BB-DE4B-95CE-6DB70DBA9567}" type="datetimeFigureOut">
               <a:rPr lang="en-US" dirty="0"/>
               <a:pPr/>
-              <a:t>5/8/2018</a:t>
+              <a:t>6/2/2018</a:t>
             </a:fld>
             <a:endParaRPr lang="en-US" dirty="0"/>
           </a:p>
@@ -2947,7 +2947,7 @@
             <a:fld id="{B61BEF0D-F0BB-DE4B-95CE-6DB70DBA9567}" type="datetimeFigureOut">
               <a:rPr lang="en-US" dirty="0"/>
               <a:pPr/>
-              <a:t>5/8/2018</a:t>
+              <a:t>6/2/2018</a:t>
             </a:fld>
             <a:endParaRPr lang="en-US" dirty="0"/>
           </a:p>
@@ -3124,7 +3124,7 @@
             <a:fld id="{B61BEF0D-F0BB-DE4B-95CE-6DB70DBA9567}" type="datetimeFigureOut">
               <a:rPr lang="en-US" dirty="0"/>
               <a:pPr/>
-              <a:t>5/8/2018</a:t>
+              <a:t>6/2/2018</a:t>
             </a:fld>
             <a:endParaRPr lang="en-US" dirty="0"/>
           </a:p>
@@ -3291,7 +3291,7 @@
             <a:fld id="{B61BEF0D-F0BB-DE4B-95CE-6DB70DBA9567}" type="datetimeFigureOut">
               <a:rPr lang="en-US" dirty="0"/>
               <a:pPr/>
-              <a:t>5/8/2018</a:t>
+              <a:t>6/2/2018</a:t>
             </a:fld>
             <a:endParaRPr lang="en-US" dirty="0"/>
           </a:p>
@@ -3539,7 +3539,7 @@
             <a:fld id="{B61BEF0D-F0BB-DE4B-95CE-6DB70DBA9567}" type="datetimeFigureOut">
               <a:rPr lang="en-US" dirty="0"/>
               <a:pPr/>
-              <a:t>5/8/2018</a:t>
+              <a:t>6/2/2018</a:t>
             </a:fld>
             <a:endParaRPr lang="en-US" dirty="0"/>
           </a:p>
@@ -3833,7 +3833,7 @@
             <a:fld id="{B61BEF0D-F0BB-DE4B-95CE-6DB70DBA9567}" type="datetimeFigureOut">
               <a:rPr lang="en-US" dirty="0"/>
               <a:pPr/>
-              <a:t>5/8/2018</a:t>
+              <a:t>6/2/2018</a:t>
             </a:fld>
             <a:endParaRPr lang="en-US" dirty="0"/>
           </a:p>
@@ -4272,7 +4272,7 @@
             <a:fld id="{B61BEF0D-F0BB-DE4B-95CE-6DB70DBA9567}" type="datetimeFigureOut">
               <a:rPr lang="en-US" dirty="0"/>
               <a:pPr/>
-              <a:t>5/8/2018</a:t>
+              <a:t>6/2/2018</a:t>
             </a:fld>
             <a:endParaRPr lang="en-US" dirty="0"/>
           </a:p>
@@ -4387,7 +4387,7 @@
             <a:fld id="{B61BEF0D-F0BB-DE4B-95CE-6DB70DBA9567}" type="datetimeFigureOut">
               <a:rPr lang="en-US" dirty="0"/>
               <a:pPr/>
-              <a:t>5/8/2018</a:t>
+              <a:t>6/2/2018</a:t>
             </a:fld>
             <a:endParaRPr lang="en-US" dirty="0"/>
           </a:p>
@@ -4479,7 +4479,7 @@
             <a:fld id="{B61BEF0D-F0BB-DE4B-95CE-6DB70DBA9567}" type="datetimeFigureOut">
               <a:rPr lang="en-US" dirty="0"/>
               <a:pPr/>
-              <a:t>5/8/2018</a:t>
+              <a:t>6/2/2018</a:t>
             </a:fld>
             <a:endParaRPr lang="en-US" dirty="0"/>
           </a:p>
@@ -4759,7 +4759,7 @@
             <a:fld id="{B61BEF0D-F0BB-DE4B-95CE-6DB70DBA9567}" type="datetimeFigureOut">
               <a:rPr lang="en-US" dirty="0"/>
               <a:pPr/>
-              <a:t>5/8/2018</a:t>
+              <a:t>6/2/2018</a:t>
             </a:fld>
             <a:endParaRPr lang="en-US" dirty="0"/>
           </a:p>
@@ -5047,7 +5047,7 @@
             <a:fld id="{B61BEF0D-F0BB-DE4B-95CE-6DB70DBA9567}" type="datetimeFigureOut">
               <a:rPr lang="en-US" dirty="0"/>
               <a:pPr/>
-              <a:t>5/8/2018</a:t>
+              <a:t>6/2/2018</a:t>
             </a:fld>
             <a:endParaRPr lang="en-US" dirty="0"/>
           </a:p>
@@ -5574,7 +5574,7 @@
             <a:fld id="{B61BEF0D-F0BB-DE4B-95CE-6DB70DBA9567}" type="datetimeFigureOut">
               <a:rPr lang="en-US" dirty="0"/>
               <a:pPr/>
-              <a:t>5/8/2018</a:t>
+              <a:t>6/2/2018</a:t>
             </a:fld>
             <a:endParaRPr lang="en-US" dirty="0"/>
           </a:p>
@@ -8003,7 +8003,6 @@
               <a:rPr lang="he-IL" dirty="0" smtClean="0"/>
               <a:t>ללמוד כיצד לנהל את הקבצים בצורה נכונה וטובה.</a:t>
             </a:r>
-            <a:endParaRPr lang="he-IL" dirty="0" smtClean="0"/>
           </a:p>
         </p:txBody>
       </p:sp>
@@ -8244,7 +8243,6 @@
               <a:rPr lang="he-IL" dirty="0" smtClean="0"/>
               <a:t>    </a:t>
             </a:r>
-            <a:endParaRPr lang="he-IL" dirty="0" smtClean="0"/>
           </a:p>
         </p:txBody>
       </p:sp>
@@ -8399,21 +8397,7 @@
                 <a:latin typeface="Aharoni" panose="02010803020104030203" pitchFamily="2" charset="-79"/>
                 <a:cs typeface="Aharoni" panose="02010803020104030203" pitchFamily="2" charset="-79"/>
               </a:rPr>
-              <a:t>תיאור </a:t>
-            </a:r>
-            <a:r>
-              <a:rPr lang="he-IL" sz="6000" dirty="0" smtClean="0">
-                <a:effectLst>
-                  <a:outerShdw blurRad="38100" dist="38100" dir="2700000" algn="tl">
-                    <a:srgbClr val="000000">
-                      <a:alpha val="43137"/>
-                    </a:srgbClr>
-                  </a:outerShdw>
-                </a:effectLst>
-                <a:latin typeface="Aharoni" panose="02010803020104030203" pitchFamily="2" charset="-79"/>
-                <a:cs typeface="Aharoni" panose="02010803020104030203" pitchFamily="2" charset="-79"/>
-              </a:rPr>
-              <a:t>העבודה</a:t>
+              <a:t>תיאור העבודה</a:t>
             </a:r>
             <a:endParaRPr lang="he-IL" sz="6000" dirty="0">
               <a:effectLst>
@@ -8597,7 +8581,7 @@
         <p:spPr>
           <a:xfrm>
             <a:off x="1484311" y="2092593"/>
-            <a:ext cx="10317163" cy="3621504"/>
+            <a:ext cx="10317163" cy="3308598"/>
           </a:xfrm>
           <a:prstGeom prst="rect">
             <a:avLst/>
@@ -8623,7 +8607,15 @@
                 <a:ea typeface="Calibri" panose="020F0502020204030204" pitchFamily="34" charset="0"/>
                 <a:cs typeface="Arial Unicode MS" panose="020B0604020202020204" pitchFamily="34" charset="-128"/>
               </a:rPr>
-              <a:t>למשחק שני חלקים:</a:t>
+              <a:t>משחק </a:t>
+            </a:r>
+            <a:r>
+              <a:rPr lang="he-IL" dirty="0" smtClean="0">
+                <a:latin typeface="Calibri" panose="020F0502020204030204" pitchFamily="34" charset="0"/>
+                <a:ea typeface="Calibri" panose="020F0502020204030204" pitchFamily="34" charset="0"/>
+                <a:cs typeface="Arial Unicode MS" panose="020B0604020202020204" pitchFamily="34" charset="-128"/>
+              </a:rPr>
+              <a:t>הסנייק:</a:t>
             </a:r>
           </a:p>
           <a:p>
@@ -8636,12 +8628,12 @@
               </a:spcAft>
             </a:pPr>
             <a:r>
-              <a:rPr lang="he-IL" dirty="0" smtClean="0">
+              <a:rPr lang="he-IL" smtClean="0">
                 <a:latin typeface="Calibri" panose="020F0502020204030204" pitchFamily="34" charset="0"/>
                 <a:ea typeface="Calibri" panose="020F0502020204030204" pitchFamily="34" charset="0"/>
                 <a:cs typeface="Arial Unicode MS" panose="020B0604020202020204" pitchFamily="34" charset="-128"/>
               </a:rPr>
-              <a:t>חלק ראשון </a:t>
+              <a:t>נחש </a:t>
             </a:r>
             <a:r>
               <a:rPr lang="he-IL" dirty="0">
@@ -8649,37 +8641,8 @@
                 <a:ea typeface="Calibri" panose="020F0502020204030204" pitchFamily="34" charset="0"/>
                 <a:cs typeface="Arial Unicode MS" panose="020B0604020202020204" pitchFamily="34" charset="-128"/>
               </a:rPr>
-              <a:t>בו שולט השחקן (מפעיל אנושי) בעזרת מקשי </a:t>
-            </a:r>
-            <a:r>
-              <a:rPr lang="he-IL" dirty="0" smtClean="0">
-                <a:latin typeface="Calibri" panose="020F0502020204030204" pitchFamily="34" charset="0"/>
-                <a:ea typeface="Calibri" panose="020F0502020204030204" pitchFamily="34" charset="0"/>
-                <a:cs typeface="Arial Unicode MS" panose="020B0604020202020204" pitchFamily="34" charset="-128"/>
-              </a:rPr>
-              <a:t>המקלדת או בעזרת מקש הטאצ בטלפון, </a:t>
-            </a:r>
-            <a:r>
-              <a:rPr lang="he-IL" dirty="0">
-                <a:latin typeface="Calibri" panose="020F0502020204030204" pitchFamily="34" charset="0"/>
-                <a:ea typeface="Calibri" panose="020F0502020204030204" pitchFamily="34" charset="0"/>
-                <a:cs typeface="Arial Unicode MS" panose="020B0604020202020204" pitchFamily="34" charset="-128"/>
-              </a:rPr>
-              <a:t>על נחש ארוך ודק המשוטט באזור מבודד, אוסף אוכל, ומנסה להימנע מלהתנגש בזנב שלו או בקירות המקיפים את אזור המשחק. הנחש מתארך כשהוא אוכל, וכך קשה יותר להימנע מלהיתקע בזנב או בגוף עצמו. השחקן שולט על כיוון תנועת ראש הנחש (למעלה, ימינה, למטה או שמאלה), ויתר גופו של הנחש עוקב אחרי ראשו. הנחש נמצא בתנועה </a:t>
-            </a:r>
-            <a:r>
-              <a:rPr lang="he-IL" dirty="0" smtClean="0">
-                <a:latin typeface="Calibri" panose="020F0502020204030204" pitchFamily="34" charset="0"/>
-                <a:ea typeface="Calibri" panose="020F0502020204030204" pitchFamily="34" charset="0"/>
-                <a:cs typeface="Arial Unicode MS" panose="020B0604020202020204" pitchFamily="34" charset="-128"/>
-              </a:rPr>
-              <a:t>מתמדת.</a:t>
-            </a:r>
-            <a:endParaRPr lang="en-US" sz="1400" dirty="0">
-              <a:latin typeface="Calibri" panose="020F0502020204030204" pitchFamily="34" charset="0"/>
-              <a:ea typeface="Calibri" panose="020F0502020204030204" pitchFamily="34" charset="0"/>
-              <a:cs typeface="Arial" panose="020B0604020202020204" pitchFamily="34" charset="0"/>
-            </a:endParaRPr>
+              <a:t>ארוך ודק המשוטט באזור מבודד, אוסף אוכל, ומנסה להימנע מלהתנגש בזנב שלו או בקירות המקיפים את אזור המשחק. הנחש מתארך כשהוא אוכל, וכך קשה יותר להימנע מלהיתקע בעצמו. השחקן שולט על כיוון תנועת ראש הנחש (למעלה, ימינה, למטה או שמאלה), ויתר גופו של הנחש עוקב אחרי ראשו. </a:t>
+            </a:r>
           </a:p>
           <a:p>
             <a:pPr algn="r" rtl="1">
@@ -8696,17 +8659,88 @@
                 <a:ea typeface="Calibri" panose="020F0502020204030204" pitchFamily="34" charset="0"/>
                 <a:cs typeface="Arial Unicode MS" panose="020B0604020202020204" pitchFamily="34" charset="-128"/>
               </a:rPr>
-              <a:t>ובחלק השני,אותם כללי משחק אלא שהתוכנה היא זו שתשחק ותנסה להגיע לנחש הארוך ביותר בזמן הקצר ביותר. זאת בעזרת אלגוריתם למציאת מסלול מתאים.</a:t>
-            </a:r>
-            <a:endParaRPr lang="en-US" sz="1400" dirty="0">
-              <a:effectLst/>
+              <a:t>הנחש נמצא בתנועה מתמדת.</a:t>
+            </a:r>
+          </a:p>
+          <a:p>
+            <a:pPr algn="r" rtl="1">
+              <a:lnSpc>
+                <a:spcPct val="150000"/>
+              </a:lnSpc>
+              <a:spcAft>
+                <a:spcPts val="800"/>
+              </a:spcAft>
+            </a:pPr>
+            <a:r>
+              <a:rPr lang="he-IL" dirty="0">
+                <a:latin typeface="Calibri" panose="020F0502020204030204" pitchFamily="34" charset="0"/>
+                <a:ea typeface="Calibri" panose="020F0502020204030204" pitchFamily="34" charset="0"/>
+                <a:cs typeface="Arial Unicode MS" panose="020B0604020202020204" pitchFamily="34" charset="-128"/>
+              </a:rPr>
+              <a:t>כיוון התנועה נקבע ע"י החיצים במקלדת או מסך המגע בטלפון. ובחלק האוטומטי המחשב מחשב את כיוון התנועה הבא.</a:t>
+            </a:r>
+            <a:endParaRPr lang="en-US" dirty="0">
               <a:latin typeface="Calibri" panose="020F0502020204030204" pitchFamily="34" charset="0"/>
               <a:ea typeface="Calibri" panose="020F0502020204030204" pitchFamily="34" charset="0"/>
-              <a:cs typeface="Arial" panose="020B0604020202020204" pitchFamily="34" charset="0"/>
+              <a:cs typeface="Arial Unicode MS" panose="020B0604020202020204" pitchFamily="34" charset="-128"/>
             </a:endParaRPr>
           </a:p>
         </p:txBody>
       </p:sp>
+      <p:pic>
+        <p:nvPicPr>
+          <p:cNvPr id="3" name="Picture 2"/>
+          <p:cNvPicPr>
+            <a:picLocks noChangeAspect="1"/>
+          </p:cNvPicPr>
+          <p:nvPr/>
+        </p:nvPicPr>
+        <p:blipFill>
+          <a:blip r:embed="rId2">
+            <a:extLst>
+              <a:ext uri="{28A0092B-C50C-407E-A947-70E740481C1C}">
+                <a14:useLocalDpi xmlns:a14="http://schemas.microsoft.com/office/drawing/2010/main" val="0"/>
+              </a:ext>
+            </a:extLst>
+          </a:blip>
+          <a:stretch>
+            <a:fillRect/>
+          </a:stretch>
+        </p:blipFill>
+        <p:spPr>
+          <a:xfrm>
+            <a:off x="117194" y="88962"/>
+            <a:ext cx="3280430" cy="2600470"/>
+          </a:xfrm>
+          <a:prstGeom prst="rect">
+            <a:avLst/>
+          </a:prstGeom>
+        </p:spPr>
+      </p:pic>
+      <p:pic>
+        <p:nvPicPr>
+          <p:cNvPr id="5" name="Picture 4"/>
+          <p:cNvPicPr>
+            <a:picLocks noChangeAspect="1"/>
+          </p:cNvPicPr>
+          <p:nvPr/>
+        </p:nvPicPr>
+        <p:blipFill>
+          <a:blip r:embed="rId3"/>
+          <a:stretch>
+            <a:fillRect/>
+          </a:stretch>
+        </p:blipFill>
+        <p:spPr>
+          <a:xfrm>
+            <a:off x="2590800" y="88962"/>
+            <a:ext cx="806824" cy="616215"/>
+          </a:xfrm>
+          <a:prstGeom prst="rect">
+            <a:avLst/>
+          </a:prstGeom>
+        </p:spPr>
+      </p:pic>
     </p:spTree>
     <p:extLst>
       <p:ext uri="{BB962C8B-B14F-4D97-AF65-F5344CB8AC3E}">
